--- a/slides/Apache Spark - Chapitre 1 - introduction & overview.pptx
+++ b/slides/Apache Spark - Chapitre 1 - introduction & overview.pptx
@@ -31,8 +31,8 @@
     <p:sldId id="275" r:id="rId22"/>
     <p:sldId id="276" r:id="rId23"/>
     <p:sldId id="277" r:id="rId24"/>
-    <p:sldId id="278" r:id="rId25"/>
-    <p:sldId id="282" r:id="rId26"/>
+    <p:sldId id="282" r:id="rId25"/>
+    <p:sldId id="278" r:id="rId26"/>
   </p:sldIdLst>
   <p:sldSz cx="9144000" cy="5143500" type="screen16x9"/>
   <p:notesSz cx="6858000" cy="9144000"/>
@@ -2399,6 +2399,110 @@
   <p:cSld>
     <p:spTree>
       <p:nvGrpSpPr>
+        <p:cNvPr id="1" name="Shape 241"/>
+        <p:cNvGrpSpPr/>
+        <p:nvPr/>
+      </p:nvGrpSpPr>
+      <p:grpSpPr>
+        <a:xfrm>
+          <a:off x="0" y="0"/>
+          <a:ext cx="0" cy="0"/>
+          <a:chOff x="0" y="0"/>
+          <a:chExt cx="0" cy="0"/>
+        </a:xfrm>
+      </p:grpSpPr>
+      <p:sp>
+        <p:nvSpPr>
+          <p:cNvPr id="242" name="Google Shape;242;g6ee19a6630_0_36:notes"/>
+          <p:cNvSpPr>
+            <a:spLocks noGrp="1" noRot="1" noChangeAspect="1"/>
+          </p:cNvSpPr>
+          <p:nvPr>
+            <p:ph type="sldImg" idx="2"/>
+          </p:nvPr>
+        </p:nvSpPr>
+        <p:spPr>
+          <a:xfrm>
+            <a:off x="381000" y="685800"/>
+            <a:ext cx="6096000" cy="3429000"/>
+          </a:xfrm>
+          <a:custGeom>
+            <a:avLst/>
+            <a:gdLst/>
+            <a:ahLst/>
+            <a:cxnLst/>
+            <a:rect l="l" t="t" r="r" b="b"/>
+            <a:pathLst>
+              <a:path w="120000" h="120000" extrusionOk="0">
+                <a:moveTo>
+                  <a:pt x="0" y="0"/>
+                </a:moveTo>
+                <a:lnTo>
+                  <a:pt x="120000" y="0"/>
+                </a:lnTo>
+                <a:lnTo>
+                  <a:pt x="120000" y="120000"/>
+                </a:lnTo>
+                <a:lnTo>
+                  <a:pt x="0" y="120000"/>
+                </a:lnTo>
+                <a:close/>
+              </a:path>
+            </a:pathLst>
+          </a:custGeom>
+        </p:spPr>
+      </p:sp>
+      <p:sp>
+        <p:nvSpPr>
+          <p:cNvPr id="243" name="Google Shape;243;g6ee19a6630_0_36:notes"/>
+          <p:cNvSpPr txBox="1">
+            <a:spLocks noGrp="1"/>
+          </p:cNvSpPr>
+          <p:nvPr>
+            <p:ph type="body" idx="1"/>
+          </p:nvPr>
+        </p:nvSpPr>
+        <p:spPr>
+          <a:xfrm>
+            <a:off x="685800" y="4343400"/>
+            <a:ext cx="5486400" cy="4114800"/>
+          </a:xfrm>
+          <a:prstGeom prst="rect">
+            <a:avLst/>
+          </a:prstGeom>
+        </p:spPr>
+        <p:txBody>
+          <a:bodyPr spcFirstLastPara="1" wrap="square" lIns="91425" tIns="91425" rIns="91425" bIns="91425" anchor="t" anchorCtr="0">
+            <a:noAutofit/>
+          </a:bodyPr>
+          <a:lstStyle/>
+          <a:p>
+            <a:pPr marL="0" lvl="0" indent="0" algn="l" rtl="0">
+              <a:spcBef>
+                <a:spcPts val="0"/>
+              </a:spcBef>
+              <a:spcAft>
+                <a:spcPts val="0"/>
+              </a:spcAft>
+              <a:buNone/>
+            </a:pPr>
+            <a:endParaRPr/>
+          </a:p>
+        </p:txBody>
+      </p:sp>
+    </p:spTree>
+  </p:cSld>
+  <p:clrMapOvr>
+    <a:masterClrMapping/>
+  </p:clrMapOvr>
+</p:notes>
+</file>
+
+<file path=ppt/notesSlides/notesSlide25.xml><?xml version="1.0" encoding="utf-8"?>
+<p:notes xmlns:a="http://schemas.openxmlformats.org/drawingml/2006/main" xmlns:r="http://schemas.openxmlformats.org/officeDocument/2006/relationships" xmlns:p="http://schemas.openxmlformats.org/presentationml/2006/main" showMasterSp="0" showMasterPhAnim="0">
+  <p:cSld>
+    <p:spTree>
+      <p:nvGrpSpPr>
         <p:cNvPr id="1" name="Shape 211"/>
         <p:cNvGrpSpPr/>
         <p:nvPr/>
@@ -2455,110 +2559,6 @@
       <p:sp>
         <p:nvSpPr>
           <p:cNvPr id="213" name="Google Shape;213;g560bc1ac8f_0_70:notes"/>
-          <p:cNvSpPr txBox="1">
-            <a:spLocks noGrp="1"/>
-          </p:cNvSpPr>
-          <p:nvPr>
-            <p:ph type="body" idx="1"/>
-          </p:nvPr>
-        </p:nvSpPr>
-        <p:spPr>
-          <a:xfrm>
-            <a:off x="685800" y="4343400"/>
-            <a:ext cx="5486400" cy="4114800"/>
-          </a:xfrm>
-          <a:prstGeom prst="rect">
-            <a:avLst/>
-          </a:prstGeom>
-        </p:spPr>
-        <p:txBody>
-          <a:bodyPr spcFirstLastPara="1" wrap="square" lIns="91425" tIns="91425" rIns="91425" bIns="91425" anchor="t" anchorCtr="0">
-            <a:noAutofit/>
-          </a:bodyPr>
-          <a:lstStyle/>
-          <a:p>
-            <a:pPr marL="0" lvl="0" indent="0" algn="l" rtl="0">
-              <a:spcBef>
-                <a:spcPts val="0"/>
-              </a:spcBef>
-              <a:spcAft>
-                <a:spcPts val="0"/>
-              </a:spcAft>
-              <a:buNone/>
-            </a:pPr>
-            <a:endParaRPr/>
-          </a:p>
-        </p:txBody>
-      </p:sp>
-    </p:spTree>
-  </p:cSld>
-  <p:clrMapOvr>
-    <a:masterClrMapping/>
-  </p:clrMapOvr>
-</p:notes>
-</file>
-
-<file path=ppt/notesSlides/notesSlide25.xml><?xml version="1.0" encoding="utf-8"?>
-<p:notes xmlns:a="http://schemas.openxmlformats.org/drawingml/2006/main" xmlns:r="http://schemas.openxmlformats.org/officeDocument/2006/relationships" xmlns:p="http://schemas.openxmlformats.org/presentationml/2006/main" showMasterSp="0" showMasterPhAnim="0">
-  <p:cSld>
-    <p:spTree>
-      <p:nvGrpSpPr>
-        <p:cNvPr id="1" name="Shape 241"/>
-        <p:cNvGrpSpPr/>
-        <p:nvPr/>
-      </p:nvGrpSpPr>
-      <p:grpSpPr>
-        <a:xfrm>
-          <a:off x="0" y="0"/>
-          <a:ext cx="0" cy="0"/>
-          <a:chOff x="0" y="0"/>
-          <a:chExt cx="0" cy="0"/>
-        </a:xfrm>
-      </p:grpSpPr>
-      <p:sp>
-        <p:nvSpPr>
-          <p:cNvPr id="242" name="Google Shape;242;g6ee19a6630_0_36:notes"/>
-          <p:cNvSpPr>
-            <a:spLocks noGrp="1" noRot="1" noChangeAspect="1"/>
-          </p:cNvSpPr>
-          <p:nvPr>
-            <p:ph type="sldImg" idx="2"/>
-          </p:nvPr>
-        </p:nvSpPr>
-        <p:spPr>
-          <a:xfrm>
-            <a:off x="381000" y="685800"/>
-            <a:ext cx="6096000" cy="3429000"/>
-          </a:xfrm>
-          <a:custGeom>
-            <a:avLst/>
-            <a:gdLst/>
-            <a:ahLst/>
-            <a:cxnLst/>
-            <a:rect l="l" t="t" r="r" b="b"/>
-            <a:pathLst>
-              <a:path w="120000" h="120000" extrusionOk="0">
-                <a:moveTo>
-                  <a:pt x="0" y="0"/>
-                </a:moveTo>
-                <a:lnTo>
-                  <a:pt x="120000" y="0"/>
-                </a:lnTo>
-                <a:lnTo>
-                  <a:pt x="120000" y="120000"/>
-                </a:lnTo>
-                <a:lnTo>
-                  <a:pt x="0" y="120000"/>
-                </a:lnTo>
-                <a:close/>
-              </a:path>
-            </a:pathLst>
-          </a:custGeom>
-        </p:spPr>
-      </p:sp>
-      <p:sp>
-        <p:nvSpPr>
-          <p:cNvPr id="243" name="Google Shape;243;g6ee19a6630_0_36:notes"/>
           <p:cNvSpPr txBox="1">
             <a:spLocks noGrp="1"/>
           </p:cNvSpPr>
@@ -18191,6 +18191,182 @@
   <p:cSld>
     <p:spTree>
       <p:nvGrpSpPr>
+        <p:cNvPr id="1" name="Shape 244"/>
+        <p:cNvGrpSpPr/>
+        <p:nvPr/>
+      </p:nvGrpSpPr>
+      <p:grpSpPr>
+        <a:xfrm>
+          <a:off x="0" y="0"/>
+          <a:ext cx="0" cy="0"/>
+          <a:chOff x="0" y="0"/>
+          <a:chExt cx="0" cy="0"/>
+        </a:xfrm>
+      </p:grpSpPr>
+      <p:sp>
+        <p:nvSpPr>
+          <p:cNvPr id="245" name="Google Shape;245;p39"/>
+          <p:cNvSpPr txBox="1">
+            <a:spLocks noGrp="1"/>
+          </p:cNvSpPr>
+          <p:nvPr>
+            <p:ph type="title"/>
+          </p:nvPr>
+        </p:nvSpPr>
+        <p:spPr>
+          <a:xfrm>
+            <a:off x="311700" y="0"/>
+            <a:ext cx="8520600" cy="572700"/>
+          </a:xfrm>
+          <a:prstGeom prst="rect">
+            <a:avLst/>
+          </a:prstGeom>
+        </p:spPr>
+        <p:txBody>
+          <a:bodyPr spcFirstLastPara="1" wrap="square" lIns="91425" tIns="91425" rIns="91425" bIns="91425" anchor="t" anchorCtr="0">
+            <a:noAutofit/>
+          </a:bodyPr>
+          <a:lstStyle/>
+          <a:p>
+            <a:pPr marL="0" lvl="0" indent="0" algn="l" rtl="0">
+              <a:spcBef>
+                <a:spcPts val="0"/>
+              </a:spcBef>
+              <a:spcAft>
+                <a:spcPts val="0"/>
+              </a:spcAft>
+              <a:buNone/>
+            </a:pPr>
+            <a:endParaRPr dirty="0">
+              <a:solidFill>
+                <a:srgbClr val="4A86E8"/>
+              </a:solidFill>
+            </a:endParaRPr>
+          </a:p>
+          <a:p>
+            <a:pPr marL="0" lvl="0" indent="0" algn="l" rtl="0">
+              <a:spcBef>
+                <a:spcPts val="0"/>
+              </a:spcBef>
+              <a:spcAft>
+                <a:spcPts val="0"/>
+              </a:spcAft>
+              <a:buNone/>
+            </a:pPr>
+            <a:endParaRPr dirty="0">
+              <a:solidFill>
+                <a:srgbClr val="4A86E8"/>
+              </a:solidFill>
+            </a:endParaRPr>
+          </a:p>
+        </p:txBody>
+      </p:sp>
+      <p:sp>
+        <p:nvSpPr>
+          <p:cNvPr id="246" name="Google Shape;246;p39"/>
+          <p:cNvSpPr txBox="1">
+            <a:spLocks noGrp="1"/>
+          </p:cNvSpPr>
+          <p:nvPr>
+            <p:ph type="body" idx="1"/>
+          </p:nvPr>
+        </p:nvSpPr>
+        <p:spPr>
+          <a:xfrm>
+            <a:off x="311700" y="572700"/>
+            <a:ext cx="8520600" cy="4090500"/>
+          </a:xfrm>
+          <a:prstGeom prst="rect">
+            <a:avLst/>
+          </a:prstGeom>
+        </p:spPr>
+        <p:txBody>
+          <a:bodyPr spcFirstLastPara="1" wrap="square" lIns="91425" tIns="91425" rIns="91425" bIns="91425" anchor="ctr" anchorCtr="0">
+            <a:noAutofit/>
+          </a:bodyPr>
+          <a:lstStyle/>
+          <a:p>
+            <a:pPr marL="0" lvl="0" indent="0" algn="ctr" rtl="0">
+              <a:spcBef>
+                <a:spcPts val="0"/>
+              </a:spcBef>
+              <a:spcAft>
+                <a:spcPts val="1600"/>
+              </a:spcAft>
+              <a:buClr>
+                <a:schemeClr val="dk1"/>
+              </a:buClr>
+              <a:buSzPts val="1100"/>
+              <a:buFont typeface="Arial"/>
+              <a:buNone/>
+            </a:pPr>
+            <a:r>
+              <a:rPr lang="fr" dirty="0">
+                <a:solidFill>
+                  <a:srgbClr val="38761D"/>
+                </a:solidFill>
+              </a:rPr>
+              <a:t>QUIZ</a:t>
+            </a:r>
+            <a:endParaRPr dirty="0"/>
+          </a:p>
+        </p:txBody>
+      </p:sp>
+      <p:sp>
+        <p:nvSpPr>
+          <p:cNvPr id="247" name="Google Shape;247;p39"/>
+          <p:cNvSpPr txBox="1">
+            <a:spLocks noGrp="1"/>
+          </p:cNvSpPr>
+          <p:nvPr>
+            <p:ph type="sldNum" idx="12"/>
+          </p:nvPr>
+        </p:nvSpPr>
+        <p:spPr>
+          <a:xfrm>
+            <a:off x="8472458" y="4663217"/>
+            <a:ext cx="548700" cy="393600"/>
+          </a:xfrm>
+          <a:prstGeom prst="rect">
+            <a:avLst/>
+          </a:prstGeom>
+        </p:spPr>
+        <p:txBody>
+          <a:bodyPr spcFirstLastPara="1" wrap="square" lIns="91425" tIns="91425" rIns="91425" bIns="91425" anchor="ctr" anchorCtr="0">
+            <a:noAutofit/>
+          </a:bodyPr>
+          <a:lstStyle/>
+          <a:p>
+            <a:pPr marL="0" lvl="0" indent="0" algn="r" rtl="0">
+              <a:spcBef>
+                <a:spcPts val="0"/>
+              </a:spcBef>
+              <a:spcAft>
+                <a:spcPts val="0"/>
+              </a:spcAft>
+              <a:buNone/>
+            </a:pPr>
+            <a:fld id="{00000000-1234-1234-1234-123412341234}" type="slidenum">
+              <a:rPr lang="fr"/>
+              <a:t>24</a:t>
+            </a:fld>
+            <a:endParaRPr/>
+          </a:p>
+        </p:txBody>
+      </p:sp>
+    </p:spTree>
+  </p:cSld>
+  <p:clrMapOvr>
+    <a:masterClrMapping/>
+  </p:clrMapOvr>
+</p:sld>
+</file>
+
+<file path=ppt/slides/slide25.xml><?xml version="1.0" encoding="utf-8"?>
+<p:sld xmlns:a="http://schemas.openxmlformats.org/drawingml/2006/main" xmlns:r="http://schemas.openxmlformats.org/officeDocument/2006/relationships" xmlns:p="http://schemas.openxmlformats.org/presentationml/2006/main">
+  <p:cSld>
+    <p:spTree>
+      <p:nvGrpSpPr>
         <p:cNvPr id="1" name="Shape 214"/>
         <p:cNvGrpSpPr/>
         <p:nvPr/>
@@ -18911,58 +19087,6 @@
             </a:endParaRPr>
           </a:p>
           <a:p>
-            <a:pPr marL="0" lvl="0" indent="457200" algn="l" rtl="0">
-              <a:spcBef>
-                <a:spcPts val="1600"/>
-              </a:spcBef>
-              <a:spcAft>
-                <a:spcPts val="0"/>
-              </a:spcAft>
-              <a:buNone/>
-            </a:pPr>
-            <a:r>
-              <a:rPr lang="fr" sz="1000" dirty="0">
-                <a:solidFill>
-                  <a:schemeClr val="dk1"/>
-                </a:solidFill>
-                <a:highlight>
-                  <a:srgbClr val="FFFFFF"/>
-                </a:highlight>
-              </a:rPr>
-              <a:t>flightData2015.sort("</a:t>
-            </a:r>
-            <a:r>
-              <a:rPr lang="fr" sz="1050" b="1" dirty="0">
-                <a:solidFill>
-                  <a:srgbClr val="008000"/>
-                </a:solidFill>
-                <a:highlight>
-                  <a:srgbClr val="FFFFFF"/>
-                </a:highlight>
-              </a:rPr>
-              <a:t>count</a:t>
-            </a:r>
-            <a:r>
-              <a:rPr lang="fr" sz="1000" dirty="0">
-                <a:solidFill>
-                  <a:schemeClr val="dk1"/>
-                </a:solidFill>
-                <a:highlight>
-                  <a:srgbClr val="FFFFFF"/>
-                </a:highlight>
-              </a:rPr>
-              <a:t>")</a:t>
-            </a:r>
-            <a:endParaRPr sz="1000" dirty="0">
-              <a:solidFill>
-                <a:schemeClr val="dk1"/>
-              </a:solidFill>
-              <a:highlight>
-                <a:srgbClr val="FFFFFF"/>
-              </a:highlight>
-            </a:endParaRPr>
-          </a:p>
-          <a:p>
             <a:pPr marL="0" lvl="0" indent="0" algn="l" rtl="0">
               <a:spcBef>
                 <a:spcPts val="1600"/>
@@ -19028,7 +19152,7 @@
             </a:pPr>
             <a:fld id="{00000000-1234-1234-1234-123412341234}" type="slidenum">
               <a:rPr lang="fr"/>
-              <a:t>24</a:t>
+              <a:t>25</a:t>
             </a:fld>
             <a:endParaRPr/>
           </a:p>
@@ -19586,55 +19710,6 @@
                       </p:childTnLst>
                     </p:cTn>
                   </p:par>
-                  <p:par>
-                    <p:cTn id="47" fill="hold">
-                      <p:stCondLst>
-                        <p:cond delay="indefinite"/>
-                      </p:stCondLst>
-                      <p:childTnLst>
-                        <p:par>
-                          <p:cTn id="48" fill="hold">
-                            <p:stCondLst>
-                              <p:cond delay="0"/>
-                            </p:stCondLst>
-                            <p:childTnLst>
-                              <p:par>
-                                <p:cTn id="49" presetID="1" presetClass="entr" presetSubtype="0" fill="hold" grpId="0" nodeType="clickEffect">
-                                  <p:stCondLst>
-                                    <p:cond delay="0"/>
-                                  </p:stCondLst>
-                                  <p:childTnLst>
-                                    <p:set>
-                                      <p:cBhvr>
-                                        <p:cTn id="50" dur="1" fill="hold">
-                                          <p:stCondLst>
-                                            <p:cond delay="0"/>
-                                          </p:stCondLst>
-                                        </p:cTn>
-                                        <p:tgtEl>
-                                          <p:spTgt spid="216">
-                                            <p:txEl>
-                                              <p:pRg st="12" end="12"/>
-                                            </p:txEl>
-                                          </p:spTgt>
-                                        </p:tgtEl>
-                                        <p:attrNameLst>
-                                          <p:attrName>style.visibility</p:attrName>
-                                        </p:attrNameLst>
-                                      </p:cBhvr>
-                                      <p:to>
-                                        <p:strVal val="visible"/>
-                                      </p:to>
-                                    </p:set>
-                                  </p:childTnLst>
-                                </p:cTn>
-                              </p:par>
-                            </p:childTnLst>
-                          </p:cTn>
-                        </p:par>
-                      </p:childTnLst>
-                    </p:cTn>
-                  </p:par>
                 </p:childTnLst>
               </p:cTn>
               <p:prevCondLst>
@@ -19660,206 +19735,6 @@
       <p:bldP spid="216" grpId="0" build="p"/>
     </p:bldLst>
   </p:timing>
-</p:sld>
-</file>
-
-<file path=ppt/slides/slide25.xml><?xml version="1.0" encoding="utf-8"?>
-<p:sld xmlns:a="http://schemas.openxmlformats.org/drawingml/2006/main" xmlns:r="http://schemas.openxmlformats.org/officeDocument/2006/relationships" xmlns:p="http://schemas.openxmlformats.org/presentationml/2006/main">
-  <p:cSld>
-    <p:spTree>
-      <p:nvGrpSpPr>
-        <p:cNvPr id="1" name="Shape 244"/>
-        <p:cNvGrpSpPr/>
-        <p:nvPr/>
-      </p:nvGrpSpPr>
-      <p:grpSpPr>
-        <a:xfrm>
-          <a:off x="0" y="0"/>
-          <a:ext cx="0" cy="0"/>
-          <a:chOff x="0" y="0"/>
-          <a:chExt cx="0" cy="0"/>
-        </a:xfrm>
-      </p:grpSpPr>
-      <p:sp>
-        <p:nvSpPr>
-          <p:cNvPr id="245" name="Google Shape;245;p39"/>
-          <p:cNvSpPr txBox="1">
-            <a:spLocks noGrp="1"/>
-          </p:cNvSpPr>
-          <p:nvPr>
-            <p:ph type="title"/>
-          </p:nvPr>
-        </p:nvSpPr>
-        <p:spPr>
-          <a:xfrm>
-            <a:off x="311700" y="0"/>
-            <a:ext cx="8520600" cy="572700"/>
-          </a:xfrm>
-          <a:prstGeom prst="rect">
-            <a:avLst/>
-          </a:prstGeom>
-        </p:spPr>
-        <p:txBody>
-          <a:bodyPr spcFirstLastPara="1" wrap="square" lIns="91425" tIns="91425" rIns="91425" bIns="91425" anchor="t" anchorCtr="0">
-            <a:noAutofit/>
-          </a:bodyPr>
-          <a:lstStyle/>
-          <a:p>
-            <a:pPr marL="0" lvl="0" indent="0" algn="l" rtl="0">
-              <a:spcBef>
-                <a:spcPts val="0"/>
-              </a:spcBef>
-              <a:spcAft>
-                <a:spcPts val="0"/>
-              </a:spcAft>
-              <a:buNone/>
-            </a:pPr>
-            <a:r>
-              <a:rPr lang="fr">
-                <a:solidFill>
-                  <a:srgbClr val="4A86E8"/>
-                </a:solidFill>
-              </a:rPr>
-              <a:t>End to End example</a:t>
-            </a:r>
-            <a:endParaRPr>
-              <a:solidFill>
-                <a:srgbClr val="4A86E8"/>
-              </a:solidFill>
-            </a:endParaRPr>
-          </a:p>
-          <a:p>
-            <a:pPr marL="0" lvl="0" indent="0" algn="l" rtl="0">
-              <a:spcBef>
-                <a:spcPts val="0"/>
-              </a:spcBef>
-              <a:spcAft>
-                <a:spcPts val="0"/>
-              </a:spcAft>
-              <a:buNone/>
-            </a:pPr>
-            <a:endParaRPr>
-              <a:solidFill>
-                <a:srgbClr val="4A86E8"/>
-              </a:solidFill>
-            </a:endParaRPr>
-          </a:p>
-          <a:p>
-            <a:pPr marL="0" lvl="0" indent="0" algn="l" rtl="0">
-              <a:spcBef>
-                <a:spcPts val="0"/>
-              </a:spcBef>
-              <a:spcAft>
-                <a:spcPts val="0"/>
-              </a:spcAft>
-              <a:buNone/>
-            </a:pPr>
-            <a:endParaRPr>
-              <a:solidFill>
-                <a:srgbClr val="4A86E8"/>
-              </a:solidFill>
-            </a:endParaRPr>
-          </a:p>
-        </p:txBody>
-      </p:sp>
-      <p:sp>
-        <p:nvSpPr>
-          <p:cNvPr id="246" name="Google Shape;246;p39"/>
-          <p:cNvSpPr txBox="1">
-            <a:spLocks noGrp="1"/>
-          </p:cNvSpPr>
-          <p:nvPr>
-            <p:ph type="body" idx="1"/>
-          </p:nvPr>
-        </p:nvSpPr>
-        <p:spPr>
-          <a:xfrm>
-            <a:off x="311700" y="572700"/>
-            <a:ext cx="8520600" cy="4090500"/>
-          </a:xfrm>
-          <a:prstGeom prst="rect">
-            <a:avLst/>
-          </a:prstGeom>
-        </p:spPr>
-        <p:txBody>
-          <a:bodyPr spcFirstLastPara="1" wrap="square" lIns="91425" tIns="91425" rIns="91425" bIns="91425" anchor="ctr" anchorCtr="0">
-            <a:noAutofit/>
-          </a:bodyPr>
-          <a:lstStyle/>
-          <a:p>
-            <a:pPr marL="0" lvl="0" indent="0" algn="ctr" rtl="0">
-              <a:spcBef>
-                <a:spcPts val="0"/>
-              </a:spcBef>
-              <a:spcAft>
-                <a:spcPts val="1600"/>
-              </a:spcAft>
-              <a:buClr>
-                <a:schemeClr val="dk1"/>
-              </a:buClr>
-              <a:buSzPts val="1100"/>
-              <a:buFont typeface="Arial"/>
-              <a:buNone/>
-            </a:pPr>
-            <a:r>
-              <a:rPr lang="fr">
-                <a:solidFill>
-                  <a:srgbClr val="38761D"/>
-                </a:solidFill>
-              </a:rPr>
-              <a:t>QUIZ</a:t>
-            </a:r>
-            <a:endParaRPr/>
-          </a:p>
-        </p:txBody>
-      </p:sp>
-      <p:sp>
-        <p:nvSpPr>
-          <p:cNvPr id="247" name="Google Shape;247;p39"/>
-          <p:cNvSpPr txBox="1">
-            <a:spLocks noGrp="1"/>
-          </p:cNvSpPr>
-          <p:nvPr>
-            <p:ph type="sldNum" idx="12"/>
-          </p:nvPr>
-        </p:nvSpPr>
-        <p:spPr>
-          <a:xfrm>
-            <a:off x="8472458" y="4663217"/>
-            <a:ext cx="548700" cy="393600"/>
-          </a:xfrm>
-          <a:prstGeom prst="rect">
-            <a:avLst/>
-          </a:prstGeom>
-        </p:spPr>
-        <p:txBody>
-          <a:bodyPr spcFirstLastPara="1" wrap="square" lIns="91425" tIns="91425" rIns="91425" bIns="91425" anchor="ctr" anchorCtr="0">
-            <a:noAutofit/>
-          </a:bodyPr>
-          <a:lstStyle/>
-          <a:p>
-            <a:pPr marL="0" lvl="0" indent="0" algn="r" rtl="0">
-              <a:spcBef>
-                <a:spcPts val="0"/>
-              </a:spcBef>
-              <a:spcAft>
-                <a:spcPts val="0"/>
-              </a:spcAft>
-              <a:buNone/>
-            </a:pPr>
-            <a:fld id="{00000000-1234-1234-1234-123412341234}" type="slidenum">
-              <a:rPr lang="fr"/>
-              <a:t>25</a:t>
-            </a:fld>
-            <a:endParaRPr/>
-          </a:p>
-        </p:txBody>
-      </p:sp>
-    </p:spTree>
-  </p:cSld>
-  <p:clrMapOvr>
-    <a:masterClrMapping/>
-  </p:clrMapOvr>
 </p:sld>
 </file>
 

--- a/slides/Apache Spark - Chapitre 1 - introduction & overview.pptx
+++ b/slides/Apache Spark - Chapitre 1 - introduction & overview.pptx
@@ -31,8 +31,8 @@
     <p:sldId id="275" r:id="rId22"/>
     <p:sldId id="276" r:id="rId23"/>
     <p:sldId id="277" r:id="rId24"/>
-    <p:sldId id="282" r:id="rId25"/>
-    <p:sldId id="278" r:id="rId26"/>
+    <p:sldId id="278" r:id="rId25"/>
+    <p:sldId id="282" r:id="rId26"/>
   </p:sldIdLst>
   <p:sldSz cx="9144000" cy="5143500" type="screen16x9"/>
   <p:notesSz cx="6858000" cy="9144000"/>
@@ -2399,6 +2399,110 @@
   <p:cSld>
     <p:spTree>
       <p:nvGrpSpPr>
+        <p:cNvPr id="1" name="Shape 211"/>
+        <p:cNvGrpSpPr/>
+        <p:nvPr/>
+      </p:nvGrpSpPr>
+      <p:grpSpPr>
+        <a:xfrm>
+          <a:off x="0" y="0"/>
+          <a:ext cx="0" cy="0"/>
+          <a:chOff x="0" y="0"/>
+          <a:chExt cx="0" cy="0"/>
+        </a:xfrm>
+      </p:grpSpPr>
+      <p:sp>
+        <p:nvSpPr>
+          <p:cNvPr id="212" name="Google Shape;212;g560bc1ac8f_0_70:notes"/>
+          <p:cNvSpPr>
+            <a:spLocks noGrp="1" noRot="1" noChangeAspect="1"/>
+          </p:cNvSpPr>
+          <p:nvPr>
+            <p:ph type="sldImg" idx="2"/>
+          </p:nvPr>
+        </p:nvSpPr>
+        <p:spPr>
+          <a:xfrm>
+            <a:off x="381000" y="685800"/>
+            <a:ext cx="6096000" cy="3429000"/>
+          </a:xfrm>
+          <a:custGeom>
+            <a:avLst/>
+            <a:gdLst/>
+            <a:ahLst/>
+            <a:cxnLst/>
+            <a:rect l="l" t="t" r="r" b="b"/>
+            <a:pathLst>
+              <a:path w="120000" h="120000" extrusionOk="0">
+                <a:moveTo>
+                  <a:pt x="0" y="0"/>
+                </a:moveTo>
+                <a:lnTo>
+                  <a:pt x="120000" y="0"/>
+                </a:lnTo>
+                <a:lnTo>
+                  <a:pt x="120000" y="120000"/>
+                </a:lnTo>
+                <a:lnTo>
+                  <a:pt x="0" y="120000"/>
+                </a:lnTo>
+                <a:close/>
+              </a:path>
+            </a:pathLst>
+          </a:custGeom>
+        </p:spPr>
+      </p:sp>
+      <p:sp>
+        <p:nvSpPr>
+          <p:cNvPr id="213" name="Google Shape;213;g560bc1ac8f_0_70:notes"/>
+          <p:cNvSpPr txBox="1">
+            <a:spLocks noGrp="1"/>
+          </p:cNvSpPr>
+          <p:nvPr>
+            <p:ph type="body" idx="1"/>
+          </p:nvPr>
+        </p:nvSpPr>
+        <p:spPr>
+          <a:xfrm>
+            <a:off x="685800" y="4343400"/>
+            <a:ext cx="5486400" cy="4114800"/>
+          </a:xfrm>
+          <a:prstGeom prst="rect">
+            <a:avLst/>
+          </a:prstGeom>
+        </p:spPr>
+        <p:txBody>
+          <a:bodyPr spcFirstLastPara="1" wrap="square" lIns="91425" tIns="91425" rIns="91425" bIns="91425" anchor="t" anchorCtr="0">
+            <a:noAutofit/>
+          </a:bodyPr>
+          <a:lstStyle/>
+          <a:p>
+            <a:pPr marL="0" lvl="0" indent="0" algn="l" rtl="0">
+              <a:spcBef>
+                <a:spcPts val="0"/>
+              </a:spcBef>
+              <a:spcAft>
+                <a:spcPts val="0"/>
+              </a:spcAft>
+              <a:buNone/>
+            </a:pPr>
+            <a:endParaRPr/>
+          </a:p>
+        </p:txBody>
+      </p:sp>
+    </p:spTree>
+  </p:cSld>
+  <p:clrMapOvr>
+    <a:masterClrMapping/>
+  </p:clrMapOvr>
+</p:notes>
+</file>
+
+<file path=ppt/notesSlides/notesSlide25.xml><?xml version="1.0" encoding="utf-8"?>
+<p:notes xmlns:a="http://schemas.openxmlformats.org/drawingml/2006/main" xmlns:r="http://schemas.openxmlformats.org/officeDocument/2006/relationships" xmlns:p="http://schemas.openxmlformats.org/presentationml/2006/main" showMasterSp="0" showMasterPhAnim="0">
+  <p:cSld>
+    <p:spTree>
+      <p:nvGrpSpPr>
         <p:cNvPr id="1" name="Shape 241"/>
         <p:cNvGrpSpPr/>
         <p:nvPr/>
@@ -2455,110 +2559,6 @@
       <p:sp>
         <p:nvSpPr>
           <p:cNvPr id="243" name="Google Shape;243;g6ee19a6630_0_36:notes"/>
-          <p:cNvSpPr txBox="1">
-            <a:spLocks noGrp="1"/>
-          </p:cNvSpPr>
-          <p:nvPr>
-            <p:ph type="body" idx="1"/>
-          </p:nvPr>
-        </p:nvSpPr>
-        <p:spPr>
-          <a:xfrm>
-            <a:off x="685800" y="4343400"/>
-            <a:ext cx="5486400" cy="4114800"/>
-          </a:xfrm>
-          <a:prstGeom prst="rect">
-            <a:avLst/>
-          </a:prstGeom>
-        </p:spPr>
-        <p:txBody>
-          <a:bodyPr spcFirstLastPara="1" wrap="square" lIns="91425" tIns="91425" rIns="91425" bIns="91425" anchor="t" anchorCtr="0">
-            <a:noAutofit/>
-          </a:bodyPr>
-          <a:lstStyle/>
-          <a:p>
-            <a:pPr marL="0" lvl="0" indent="0" algn="l" rtl="0">
-              <a:spcBef>
-                <a:spcPts val="0"/>
-              </a:spcBef>
-              <a:spcAft>
-                <a:spcPts val="0"/>
-              </a:spcAft>
-              <a:buNone/>
-            </a:pPr>
-            <a:endParaRPr/>
-          </a:p>
-        </p:txBody>
-      </p:sp>
-    </p:spTree>
-  </p:cSld>
-  <p:clrMapOvr>
-    <a:masterClrMapping/>
-  </p:clrMapOvr>
-</p:notes>
-</file>
-
-<file path=ppt/notesSlides/notesSlide25.xml><?xml version="1.0" encoding="utf-8"?>
-<p:notes xmlns:a="http://schemas.openxmlformats.org/drawingml/2006/main" xmlns:r="http://schemas.openxmlformats.org/officeDocument/2006/relationships" xmlns:p="http://schemas.openxmlformats.org/presentationml/2006/main" showMasterSp="0" showMasterPhAnim="0">
-  <p:cSld>
-    <p:spTree>
-      <p:nvGrpSpPr>
-        <p:cNvPr id="1" name="Shape 211"/>
-        <p:cNvGrpSpPr/>
-        <p:nvPr/>
-      </p:nvGrpSpPr>
-      <p:grpSpPr>
-        <a:xfrm>
-          <a:off x="0" y="0"/>
-          <a:ext cx="0" cy="0"/>
-          <a:chOff x="0" y="0"/>
-          <a:chExt cx="0" cy="0"/>
-        </a:xfrm>
-      </p:grpSpPr>
-      <p:sp>
-        <p:nvSpPr>
-          <p:cNvPr id="212" name="Google Shape;212;g560bc1ac8f_0_70:notes"/>
-          <p:cNvSpPr>
-            <a:spLocks noGrp="1" noRot="1" noChangeAspect="1"/>
-          </p:cNvSpPr>
-          <p:nvPr>
-            <p:ph type="sldImg" idx="2"/>
-          </p:nvPr>
-        </p:nvSpPr>
-        <p:spPr>
-          <a:xfrm>
-            <a:off x="381000" y="685800"/>
-            <a:ext cx="6096000" cy="3429000"/>
-          </a:xfrm>
-          <a:custGeom>
-            <a:avLst/>
-            <a:gdLst/>
-            <a:ahLst/>
-            <a:cxnLst/>
-            <a:rect l="l" t="t" r="r" b="b"/>
-            <a:pathLst>
-              <a:path w="120000" h="120000" extrusionOk="0">
-                <a:moveTo>
-                  <a:pt x="0" y="0"/>
-                </a:moveTo>
-                <a:lnTo>
-                  <a:pt x="120000" y="0"/>
-                </a:lnTo>
-                <a:lnTo>
-                  <a:pt x="120000" y="120000"/>
-                </a:lnTo>
-                <a:lnTo>
-                  <a:pt x="0" y="120000"/>
-                </a:lnTo>
-                <a:close/>
-              </a:path>
-            </a:pathLst>
-          </a:custGeom>
-        </p:spPr>
-      </p:sp>
-      <p:sp>
-        <p:nvSpPr>
-          <p:cNvPr id="213" name="Google Shape;213;g560bc1ac8f_0_70:notes"/>
           <p:cNvSpPr txBox="1">
             <a:spLocks noGrp="1"/>
           </p:cNvSpPr>
@@ -10998,7 +10998,7 @@
                   <a:schemeClr val="dk1"/>
                 </a:solidFill>
               </a:rPr>
-              <a:t> ou Eclipse)</a:t>
+              <a:t>)</a:t>
             </a:r>
           </a:p>
           <a:p>
@@ -11103,7 +11103,7 @@
             </a:r>
             <a:r>
               <a:rPr lang="fr-FR" b="1" dirty="0"/>
-              <a:t>"2.4.6"</a:t>
+              <a:t>"3.1.2"</a:t>
             </a:r>
             <a:br>
               <a:rPr lang="fr-FR" b="1" dirty="0"/>
@@ -11145,12 +11145,12 @@
               <a:t>" </a:t>
             </a:r>
             <a:r>
-              <a:rPr lang="fr-FR" dirty="0"/>
+              <a:rPr lang="fr-FR"/>
               <a:t>% </a:t>
             </a:r>
             <a:r>
-              <a:rPr lang="fr-FR" b="1" dirty="0"/>
-              <a:t>"2.4.6"</a:t>
+              <a:rPr lang="fr-FR" b="1"/>
+              <a:t>"3.1.2"</a:t>
             </a:r>
             <a:br>
               <a:rPr lang="fr-FR" b="1" dirty="0"/>
@@ -15932,23 +15932,7 @@
                   <a:schemeClr val="dk1"/>
                 </a:solidFill>
               </a:rPr>
-              <a:t> </a:t>
-            </a:r>
-            <a:r>
-              <a:rPr lang="fr" dirty="0" err="1">
-                <a:solidFill>
-                  <a:schemeClr val="dk1"/>
-                </a:solidFill>
-              </a:rPr>
-              <a:t>evaluation</a:t>
-            </a:r>
-            <a:r>
-              <a:rPr lang="fr" dirty="0">
-                <a:solidFill>
-                  <a:schemeClr val="dk1"/>
-                </a:solidFill>
-              </a:rPr>
-              <a:t> signifie que </a:t>
+              <a:t> évaluation signifie que </a:t>
             </a:r>
             <a:r>
               <a:rPr lang="fr" dirty="0" err="1">
@@ -18191,182 +18175,6 @@
   <p:cSld>
     <p:spTree>
       <p:nvGrpSpPr>
-        <p:cNvPr id="1" name="Shape 244"/>
-        <p:cNvGrpSpPr/>
-        <p:nvPr/>
-      </p:nvGrpSpPr>
-      <p:grpSpPr>
-        <a:xfrm>
-          <a:off x="0" y="0"/>
-          <a:ext cx="0" cy="0"/>
-          <a:chOff x="0" y="0"/>
-          <a:chExt cx="0" cy="0"/>
-        </a:xfrm>
-      </p:grpSpPr>
-      <p:sp>
-        <p:nvSpPr>
-          <p:cNvPr id="245" name="Google Shape;245;p39"/>
-          <p:cNvSpPr txBox="1">
-            <a:spLocks noGrp="1"/>
-          </p:cNvSpPr>
-          <p:nvPr>
-            <p:ph type="title"/>
-          </p:nvPr>
-        </p:nvSpPr>
-        <p:spPr>
-          <a:xfrm>
-            <a:off x="311700" y="0"/>
-            <a:ext cx="8520600" cy="572700"/>
-          </a:xfrm>
-          <a:prstGeom prst="rect">
-            <a:avLst/>
-          </a:prstGeom>
-        </p:spPr>
-        <p:txBody>
-          <a:bodyPr spcFirstLastPara="1" wrap="square" lIns="91425" tIns="91425" rIns="91425" bIns="91425" anchor="t" anchorCtr="0">
-            <a:noAutofit/>
-          </a:bodyPr>
-          <a:lstStyle/>
-          <a:p>
-            <a:pPr marL="0" lvl="0" indent="0" algn="l" rtl="0">
-              <a:spcBef>
-                <a:spcPts val="0"/>
-              </a:spcBef>
-              <a:spcAft>
-                <a:spcPts val="0"/>
-              </a:spcAft>
-              <a:buNone/>
-            </a:pPr>
-            <a:endParaRPr dirty="0">
-              <a:solidFill>
-                <a:srgbClr val="4A86E8"/>
-              </a:solidFill>
-            </a:endParaRPr>
-          </a:p>
-          <a:p>
-            <a:pPr marL="0" lvl="0" indent="0" algn="l" rtl="0">
-              <a:spcBef>
-                <a:spcPts val="0"/>
-              </a:spcBef>
-              <a:spcAft>
-                <a:spcPts val="0"/>
-              </a:spcAft>
-              <a:buNone/>
-            </a:pPr>
-            <a:endParaRPr dirty="0">
-              <a:solidFill>
-                <a:srgbClr val="4A86E8"/>
-              </a:solidFill>
-            </a:endParaRPr>
-          </a:p>
-        </p:txBody>
-      </p:sp>
-      <p:sp>
-        <p:nvSpPr>
-          <p:cNvPr id="246" name="Google Shape;246;p39"/>
-          <p:cNvSpPr txBox="1">
-            <a:spLocks noGrp="1"/>
-          </p:cNvSpPr>
-          <p:nvPr>
-            <p:ph type="body" idx="1"/>
-          </p:nvPr>
-        </p:nvSpPr>
-        <p:spPr>
-          <a:xfrm>
-            <a:off x="311700" y="572700"/>
-            <a:ext cx="8520600" cy="4090500"/>
-          </a:xfrm>
-          <a:prstGeom prst="rect">
-            <a:avLst/>
-          </a:prstGeom>
-        </p:spPr>
-        <p:txBody>
-          <a:bodyPr spcFirstLastPara="1" wrap="square" lIns="91425" tIns="91425" rIns="91425" bIns="91425" anchor="ctr" anchorCtr="0">
-            <a:noAutofit/>
-          </a:bodyPr>
-          <a:lstStyle/>
-          <a:p>
-            <a:pPr marL="0" lvl="0" indent="0" algn="ctr" rtl="0">
-              <a:spcBef>
-                <a:spcPts val="0"/>
-              </a:spcBef>
-              <a:spcAft>
-                <a:spcPts val="1600"/>
-              </a:spcAft>
-              <a:buClr>
-                <a:schemeClr val="dk1"/>
-              </a:buClr>
-              <a:buSzPts val="1100"/>
-              <a:buFont typeface="Arial"/>
-              <a:buNone/>
-            </a:pPr>
-            <a:r>
-              <a:rPr lang="fr" dirty="0">
-                <a:solidFill>
-                  <a:srgbClr val="38761D"/>
-                </a:solidFill>
-              </a:rPr>
-              <a:t>QUIZ</a:t>
-            </a:r>
-            <a:endParaRPr dirty="0"/>
-          </a:p>
-        </p:txBody>
-      </p:sp>
-      <p:sp>
-        <p:nvSpPr>
-          <p:cNvPr id="247" name="Google Shape;247;p39"/>
-          <p:cNvSpPr txBox="1">
-            <a:spLocks noGrp="1"/>
-          </p:cNvSpPr>
-          <p:nvPr>
-            <p:ph type="sldNum" idx="12"/>
-          </p:nvPr>
-        </p:nvSpPr>
-        <p:spPr>
-          <a:xfrm>
-            <a:off x="8472458" y="4663217"/>
-            <a:ext cx="548700" cy="393600"/>
-          </a:xfrm>
-          <a:prstGeom prst="rect">
-            <a:avLst/>
-          </a:prstGeom>
-        </p:spPr>
-        <p:txBody>
-          <a:bodyPr spcFirstLastPara="1" wrap="square" lIns="91425" tIns="91425" rIns="91425" bIns="91425" anchor="ctr" anchorCtr="0">
-            <a:noAutofit/>
-          </a:bodyPr>
-          <a:lstStyle/>
-          <a:p>
-            <a:pPr marL="0" lvl="0" indent="0" algn="r" rtl="0">
-              <a:spcBef>
-                <a:spcPts val="0"/>
-              </a:spcBef>
-              <a:spcAft>
-                <a:spcPts val="0"/>
-              </a:spcAft>
-              <a:buNone/>
-            </a:pPr>
-            <a:fld id="{00000000-1234-1234-1234-123412341234}" type="slidenum">
-              <a:rPr lang="fr"/>
-              <a:t>24</a:t>
-            </a:fld>
-            <a:endParaRPr/>
-          </a:p>
-        </p:txBody>
-      </p:sp>
-    </p:spTree>
-  </p:cSld>
-  <p:clrMapOvr>
-    <a:masterClrMapping/>
-  </p:clrMapOvr>
-</p:sld>
-</file>
-
-<file path=ppt/slides/slide25.xml><?xml version="1.0" encoding="utf-8"?>
-<p:sld xmlns:a="http://schemas.openxmlformats.org/drawingml/2006/main" xmlns:r="http://schemas.openxmlformats.org/officeDocument/2006/relationships" xmlns:p="http://schemas.openxmlformats.org/presentationml/2006/main">
-  <p:cSld>
-    <p:spTree>
-      <p:nvGrpSpPr>
         <p:cNvPr id="1" name="Shape 214"/>
         <p:cNvGrpSpPr/>
         <p:nvPr/>
@@ -19087,6 +18895,58 @@
             </a:endParaRPr>
           </a:p>
           <a:p>
+            <a:pPr marL="0" lvl="0" indent="457200" algn="l" rtl="0">
+              <a:spcBef>
+                <a:spcPts val="1600"/>
+              </a:spcBef>
+              <a:spcAft>
+                <a:spcPts val="0"/>
+              </a:spcAft>
+              <a:buNone/>
+            </a:pPr>
+            <a:r>
+              <a:rPr lang="fr" sz="1000" dirty="0">
+                <a:solidFill>
+                  <a:schemeClr val="dk1"/>
+                </a:solidFill>
+                <a:highlight>
+                  <a:srgbClr val="FFFFFF"/>
+                </a:highlight>
+              </a:rPr>
+              <a:t>flightData2015.sort("</a:t>
+            </a:r>
+            <a:r>
+              <a:rPr lang="fr" sz="1050" b="1" dirty="0">
+                <a:solidFill>
+                  <a:srgbClr val="008000"/>
+                </a:solidFill>
+                <a:highlight>
+                  <a:srgbClr val="FFFFFF"/>
+                </a:highlight>
+              </a:rPr>
+              <a:t>count</a:t>
+            </a:r>
+            <a:r>
+              <a:rPr lang="fr" sz="1000" dirty="0">
+                <a:solidFill>
+                  <a:schemeClr val="dk1"/>
+                </a:solidFill>
+                <a:highlight>
+                  <a:srgbClr val="FFFFFF"/>
+                </a:highlight>
+              </a:rPr>
+              <a:t>")</a:t>
+            </a:r>
+            <a:endParaRPr sz="1000" dirty="0">
+              <a:solidFill>
+                <a:schemeClr val="dk1"/>
+              </a:solidFill>
+              <a:highlight>
+                <a:srgbClr val="FFFFFF"/>
+              </a:highlight>
+            </a:endParaRPr>
+          </a:p>
+          <a:p>
             <a:pPr marL="0" lvl="0" indent="0" algn="l" rtl="0">
               <a:spcBef>
                 <a:spcPts val="1600"/>
@@ -19152,7 +19012,7 @@
             </a:pPr>
             <a:fld id="{00000000-1234-1234-1234-123412341234}" type="slidenum">
               <a:rPr lang="fr"/>
-              <a:t>25</a:t>
+              <a:t>24</a:t>
             </a:fld>
             <a:endParaRPr/>
           </a:p>
@@ -19710,6 +19570,55 @@
                       </p:childTnLst>
                     </p:cTn>
                   </p:par>
+                  <p:par>
+                    <p:cTn id="47" fill="hold">
+                      <p:stCondLst>
+                        <p:cond delay="indefinite"/>
+                      </p:stCondLst>
+                      <p:childTnLst>
+                        <p:par>
+                          <p:cTn id="48" fill="hold">
+                            <p:stCondLst>
+                              <p:cond delay="0"/>
+                            </p:stCondLst>
+                            <p:childTnLst>
+                              <p:par>
+                                <p:cTn id="49" presetID="1" presetClass="entr" presetSubtype="0" fill="hold" grpId="0" nodeType="clickEffect">
+                                  <p:stCondLst>
+                                    <p:cond delay="0"/>
+                                  </p:stCondLst>
+                                  <p:childTnLst>
+                                    <p:set>
+                                      <p:cBhvr>
+                                        <p:cTn id="50" dur="1" fill="hold">
+                                          <p:stCondLst>
+                                            <p:cond delay="0"/>
+                                          </p:stCondLst>
+                                        </p:cTn>
+                                        <p:tgtEl>
+                                          <p:spTgt spid="216">
+                                            <p:txEl>
+                                              <p:pRg st="12" end="12"/>
+                                            </p:txEl>
+                                          </p:spTgt>
+                                        </p:tgtEl>
+                                        <p:attrNameLst>
+                                          <p:attrName>style.visibility</p:attrName>
+                                        </p:attrNameLst>
+                                      </p:cBhvr>
+                                      <p:to>
+                                        <p:strVal val="visible"/>
+                                      </p:to>
+                                    </p:set>
+                                  </p:childTnLst>
+                                </p:cTn>
+                              </p:par>
+                            </p:childTnLst>
+                          </p:cTn>
+                        </p:par>
+                      </p:childTnLst>
+                    </p:cTn>
+                  </p:par>
                 </p:childTnLst>
               </p:cTn>
               <p:prevCondLst>
@@ -19735,6 +19644,206 @@
       <p:bldP spid="216" grpId="0" build="p"/>
     </p:bldLst>
   </p:timing>
+</p:sld>
+</file>
+
+<file path=ppt/slides/slide25.xml><?xml version="1.0" encoding="utf-8"?>
+<p:sld xmlns:a="http://schemas.openxmlformats.org/drawingml/2006/main" xmlns:r="http://schemas.openxmlformats.org/officeDocument/2006/relationships" xmlns:p="http://schemas.openxmlformats.org/presentationml/2006/main">
+  <p:cSld>
+    <p:spTree>
+      <p:nvGrpSpPr>
+        <p:cNvPr id="1" name="Shape 244"/>
+        <p:cNvGrpSpPr/>
+        <p:nvPr/>
+      </p:nvGrpSpPr>
+      <p:grpSpPr>
+        <a:xfrm>
+          <a:off x="0" y="0"/>
+          <a:ext cx="0" cy="0"/>
+          <a:chOff x="0" y="0"/>
+          <a:chExt cx="0" cy="0"/>
+        </a:xfrm>
+      </p:grpSpPr>
+      <p:sp>
+        <p:nvSpPr>
+          <p:cNvPr id="245" name="Google Shape;245;p39"/>
+          <p:cNvSpPr txBox="1">
+            <a:spLocks noGrp="1"/>
+          </p:cNvSpPr>
+          <p:nvPr>
+            <p:ph type="title"/>
+          </p:nvPr>
+        </p:nvSpPr>
+        <p:spPr>
+          <a:xfrm>
+            <a:off x="311700" y="0"/>
+            <a:ext cx="8520600" cy="572700"/>
+          </a:xfrm>
+          <a:prstGeom prst="rect">
+            <a:avLst/>
+          </a:prstGeom>
+        </p:spPr>
+        <p:txBody>
+          <a:bodyPr spcFirstLastPara="1" wrap="square" lIns="91425" tIns="91425" rIns="91425" bIns="91425" anchor="t" anchorCtr="0">
+            <a:noAutofit/>
+          </a:bodyPr>
+          <a:lstStyle/>
+          <a:p>
+            <a:pPr marL="0" lvl="0" indent="0" algn="l" rtl="0">
+              <a:spcBef>
+                <a:spcPts val="0"/>
+              </a:spcBef>
+              <a:spcAft>
+                <a:spcPts val="0"/>
+              </a:spcAft>
+              <a:buNone/>
+            </a:pPr>
+            <a:r>
+              <a:rPr lang="fr">
+                <a:solidFill>
+                  <a:srgbClr val="4A86E8"/>
+                </a:solidFill>
+              </a:rPr>
+              <a:t>End to End example</a:t>
+            </a:r>
+            <a:endParaRPr>
+              <a:solidFill>
+                <a:srgbClr val="4A86E8"/>
+              </a:solidFill>
+            </a:endParaRPr>
+          </a:p>
+          <a:p>
+            <a:pPr marL="0" lvl="0" indent="0" algn="l" rtl="0">
+              <a:spcBef>
+                <a:spcPts val="0"/>
+              </a:spcBef>
+              <a:spcAft>
+                <a:spcPts val="0"/>
+              </a:spcAft>
+              <a:buNone/>
+            </a:pPr>
+            <a:endParaRPr>
+              <a:solidFill>
+                <a:srgbClr val="4A86E8"/>
+              </a:solidFill>
+            </a:endParaRPr>
+          </a:p>
+          <a:p>
+            <a:pPr marL="0" lvl="0" indent="0" algn="l" rtl="0">
+              <a:spcBef>
+                <a:spcPts val="0"/>
+              </a:spcBef>
+              <a:spcAft>
+                <a:spcPts val="0"/>
+              </a:spcAft>
+              <a:buNone/>
+            </a:pPr>
+            <a:endParaRPr>
+              <a:solidFill>
+                <a:srgbClr val="4A86E8"/>
+              </a:solidFill>
+            </a:endParaRPr>
+          </a:p>
+        </p:txBody>
+      </p:sp>
+      <p:sp>
+        <p:nvSpPr>
+          <p:cNvPr id="246" name="Google Shape;246;p39"/>
+          <p:cNvSpPr txBox="1">
+            <a:spLocks noGrp="1"/>
+          </p:cNvSpPr>
+          <p:nvPr>
+            <p:ph type="body" idx="1"/>
+          </p:nvPr>
+        </p:nvSpPr>
+        <p:spPr>
+          <a:xfrm>
+            <a:off x="311700" y="572700"/>
+            <a:ext cx="8520600" cy="4090500"/>
+          </a:xfrm>
+          <a:prstGeom prst="rect">
+            <a:avLst/>
+          </a:prstGeom>
+        </p:spPr>
+        <p:txBody>
+          <a:bodyPr spcFirstLastPara="1" wrap="square" lIns="91425" tIns="91425" rIns="91425" bIns="91425" anchor="ctr" anchorCtr="0">
+            <a:noAutofit/>
+          </a:bodyPr>
+          <a:lstStyle/>
+          <a:p>
+            <a:pPr marL="0" lvl="0" indent="0" algn="ctr" rtl="0">
+              <a:spcBef>
+                <a:spcPts val="0"/>
+              </a:spcBef>
+              <a:spcAft>
+                <a:spcPts val="1600"/>
+              </a:spcAft>
+              <a:buClr>
+                <a:schemeClr val="dk1"/>
+              </a:buClr>
+              <a:buSzPts val="1100"/>
+              <a:buFont typeface="Arial"/>
+              <a:buNone/>
+            </a:pPr>
+            <a:r>
+              <a:rPr lang="fr">
+                <a:solidFill>
+                  <a:srgbClr val="38761D"/>
+                </a:solidFill>
+              </a:rPr>
+              <a:t>QUIZ</a:t>
+            </a:r>
+            <a:endParaRPr/>
+          </a:p>
+        </p:txBody>
+      </p:sp>
+      <p:sp>
+        <p:nvSpPr>
+          <p:cNvPr id="247" name="Google Shape;247;p39"/>
+          <p:cNvSpPr txBox="1">
+            <a:spLocks noGrp="1"/>
+          </p:cNvSpPr>
+          <p:nvPr>
+            <p:ph type="sldNum" idx="12"/>
+          </p:nvPr>
+        </p:nvSpPr>
+        <p:spPr>
+          <a:xfrm>
+            <a:off x="8472458" y="4663217"/>
+            <a:ext cx="548700" cy="393600"/>
+          </a:xfrm>
+          <a:prstGeom prst="rect">
+            <a:avLst/>
+          </a:prstGeom>
+        </p:spPr>
+        <p:txBody>
+          <a:bodyPr spcFirstLastPara="1" wrap="square" lIns="91425" tIns="91425" rIns="91425" bIns="91425" anchor="ctr" anchorCtr="0">
+            <a:noAutofit/>
+          </a:bodyPr>
+          <a:lstStyle/>
+          <a:p>
+            <a:pPr marL="0" lvl="0" indent="0" algn="r" rtl="0">
+              <a:spcBef>
+                <a:spcPts val="0"/>
+              </a:spcBef>
+              <a:spcAft>
+                <a:spcPts val="0"/>
+              </a:spcAft>
+              <a:buNone/>
+            </a:pPr>
+            <a:fld id="{00000000-1234-1234-1234-123412341234}" type="slidenum">
+              <a:rPr lang="fr"/>
+              <a:t>25</a:t>
+            </a:fld>
+            <a:endParaRPr/>
+          </a:p>
+        </p:txBody>
+      </p:sp>
+    </p:spTree>
+  </p:cSld>
+  <p:clrMapOvr>
+    <a:masterClrMapping/>
+  </p:clrMapOvr>
 </p:sld>
 </file>
 
